--- a/ハピネスカンパニー.pptx
+++ b/ハピネスカンパニー.pptx
@@ -7,7 +7,8 @@
   <p:sldIdLst>
     <p:sldId id="256" r:id="rId2"/>
     <p:sldId id="257" r:id="rId3"/>
-    <p:sldId id="258" r:id="rId4"/>
+    <p:sldId id="259" r:id="rId4"/>
+    <p:sldId id="258" r:id="rId5"/>
   </p:sldIdLst>
   <p:sldSz cx="12192000" cy="6858000"/>
   <p:notesSz cx="6858000" cy="9144000"/>
@@ -6280,7 +6281,11 @@
           <a:p>
             <a:r>
               <a:rPr lang="ja-JP" altLang="en-US" dirty="0"/>
-              <a:t>味方のテキストは出せていた</a:t>
+              <a:t>味方のテキストは</a:t>
+            </a:r>
+            <a:r>
+              <a:rPr lang="ja-JP" altLang="en-US"/>
+              <a:t>出せていた</a:t>
             </a:r>
             <a:endParaRPr lang="en-US" altLang="ja-JP" dirty="0"/>
           </a:p>
@@ -6388,10 +6393,7 @@
             </a:lvl9pPr>
           </a:lstStyle>
           <a:p>
-            <a:r>
-              <a:rPr lang="ja-JP" altLang="en-US" dirty="0"/>
-              <a:t>できなかったこと　</a:t>
-            </a:r>
+            <a:endParaRPr lang="ja-JP" altLang="en-US" dirty="0"/>
           </a:p>
         </p:txBody>
       </p:sp>
@@ -6668,99 +6670,76 @@
             </a:lvl9pPr>
           </a:lstStyle>
           <a:p>
-            <a:r>
-              <a:rPr lang="ja-JP" altLang="en-US" dirty="0"/>
-              <a:t>銃のコマンド以外を押してるのに借金追加される、なんならコマンド以外押してもダメージ出るし、借金追加される。</a:t>
-            </a:r>
             <a:endParaRPr lang="en-US" altLang="ja-JP" dirty="0"/>
           </a:p>
           <a:p>
-            <a:r>
-              <a:rPr lang="ja-JP" altLang="en-US" dirty="0"/>
-              <a:t>敵のテキストが見れなくなった</a:t>
-            </a:r>
             <a:endParaRPr lang="en-US" altLang="ja-JP" dirty="0"/>
           </a:p>
           <a:p>
-            <a:r>
-              <a:rPr lang="ja-JP" altLang="en-US" dirty="0"/>
-              <a:t>日本語設定反映できていなかったので全部見れない　数字は見れる</a:t>
-            </a:r>
             <a:endParaRPr lang="en-US" altLang="ja-JP" dirty="0"/>
           </a:p>
-          <a:p>
-            <a:r>
-              <a:rPr lang="ja-JP" altLang="en-US" dirty="0"/>
-              <a:t>報酬が反映されない　だから借金減らない</a:t>
-            </a:r>
-            <a:endParaRPr lang="en-US" altLang="ja-JP" dirty="0"/>
-          </a:p>
-          <a:p>
-            <a:r>
-              <a:rPr lang="en-US" altLang="ja-JP" dirty="0"/>
-              <a:t>Easy</a:t>
-            </a:r>
-            <a:r>
-              <a:rPr lang="ja-JP" altLang="en-US" dirty="0"/>
-              <a:t>モードの</a:t>
-            </a:r>
-            <a:r>
-              <a:rPr lang="en-US" altLang="ja-JP" dirty="0"/>
-              <a:t>2</a:t>
-            </a:r>
-            <a:r>
-              <a:rPr lang="ja-JP" altLang="en-US" dirty="0"/>
-              <a:t>ステージ目が動かない　それ以外は動く</a:t>
-            </a:r>
-            <a:endParaRPr lang="en-US" altLang="ja-JP" dirty="0"/>
-          </a:p>
-          <a:p>
-            <a:r>
-              <a:rPr lang="ja-JP" altLang="en-US" dirty="0"/>
-              <a:t>音量設定できてない　戦闘シーンの</a:t>
-            </a:r>
-            <a:r>
-              <a:rPr lang="en-US" altLang="ja-JP" dirty="0"/>
-              <a:t>BGM</a:t>
-            </a:r>
-            <a:r>
-              <a:rPr lang="ja-JP" altLang="en-US" dirty="0"/>
-              <a:t>は実装していない</a:t>
-            </a:r>
-            <a:endParaRPr lang="en-US" altLang="ja-JP" dirty="0"/>
-          </a:p>
-          <a:p>
-            <a:r>
-              <a:rPr lang="ja-JP" altLang="en-US" dirty="0"/>
-              <a:t>ケガしても？？社の支援を実装していない</a:t>
-            </a:r>
-            <a:endParaRPr lang="en-US" altLang="ja-JP" dirty="0"/>
-          </a:p>
-          <a:p>
-            <a:r>
-              <a:rPr lang="ja-JP" altLang="en-US" dirty="0"/>
-              <a:t>ケガしても足も腕も欠損しない　</a:t>
-            </a:r>
-            <a:r>
-              <a:rPr lang="en-US" altLang="ja-JP" dirty="0" err="1"/>
-              <a:t>etc</a:t>
-            </a:r>
-            <a:r>
-              <a:rPr lang="en-US" altLang="ja-JP" dirty="0"/>
-              <a:t> …</a:t>
-            </a:r>
-          </a:p>
-          <a:p>
-            <a:endParaRPr lang="en-US" altLang="ja-JP" dirty="0"/>
-          </a:p>
-          <a:p>
-            <a:endParaRPr lang="en-US" altLang="ja-JP" dirty="0"/>
-          </a:p>
-          <a:p>
-            <a:endParaRPr lang="en-US" altLang="ja-JP" dirty="0"/>
-          </a:p>
-        </p:txBody>
-      </p:sp>
+        </p:txBody>
+      </p:sp>
+      <p:pic>
+        <p:nvPicPr>
+          <p:cNvPr id="7" name="図 6">
+            <a:extLst>
+              <a:ext uri="{FF2B5EF4-FFF2-40B4-BE49-F238E27FC236}">
+                <a16:creationId xmlns:a16="http://schemas.microsoft.com/office/drawing/2014/main" id="{CC193C4C-60DB-4FF5-99CD-6E1CAE28CF2B}"/>
+              </a:ext>
+            </a:extLst>
+          </p:cNvPr>
+          <p:cNvPicPr>
+            <a:picLocks noChangeAspect="1"/>
+          </p:cNvPicPr>
+          <p:nvPr/>
+        </p:nvPicPr>
+        <p:blipFill>
+          <a:blip r:embed="rId2"/>
+          <a:stretch>
+            <a:fillRect/>
+          </a:stretch>
+        </p:blipFill>
+        <p:spPr>
+          <a:xfrm>
+            <a:off x="6044964" y="4089401"/>
+            <a:ext cx="5756305" cy="2675466"/>
+          </a:xfrm>
+          <a:prstGeom prst="rect">
+            <a:avLst/>
+          </a:prstGeom>
+        </p:spPr>
+      </p:pic>
+      <p:pic>
+        <p:nvPicPr>
+          <p:cNvPr id="9" name="図 8">
+            <a:extLst>
+              <a:ext uri="{FF2B5EF4-FFF2-40B4-BE49-F238E27FC236}">
+                <a16:creationId xmlns:a16="http://schemas.microsoft.com/office/drawing/2014/main" id="{AD880ECB-EAF8-4970-BC2A-2111391C7858}"/>
+              </a:ext>
+            </a:extLst>
+          </p:cNvPr>
+          <p:cNvPicPr>
+            <a:picLocks noChangeAspect="1"/>
+          </p:cNvPicPr>
+          <p:nvPr/>
+        </p:nvPicPr>
+        <p:blipFill>
+          <a:blip r:embed="rId3"/>
+          <a:stretch>
+            <a:fillRect/>
+          </a:stretch>
+        </p:blipFill>
+        <p:spPr>
+          <a:xfrm>
+            <a:off x="677334" y="2222801"/>
+            <a:ext cx="5317066" cy="2437183"/>
+          </a:xfrm>
+          <a:prstGeom prst="rect">
+            <a:avLst/>
+          </a:prstGeom>
+        </p:spPr>
+      </p:pic>
     </p:spTree>
     <p:extLst>
       <p:ext uri="{BB962C8B-B14F-4D97-AF65-F5344CB8AC3E}">
@@ -7028,10 +7007,15 @@
                             </p:stCondLst>
                             <p:childTnLst>
                               <p:par>
-                                <p:cTn id="25" presetID="22" presetClass="entr" presetSubtype="4" fill="hold" grpId="0" nodeType="clickEffect">
+                                <p:cTn id="25" presetID="22" presetClass="entr" presetSubtype="4" fill="hold" grpId="0" nodeType="clickEffect" nodePh="1">
                                   <p:stCondLst>
                                     <p:cond delay="0"/>
                                   </p:stCondLst>
+                                  <p:endCondLst>
+                                    <p:cond evt="begin" delay="0">
+                                      <p:tn val="25"/>
+                                    </p:cond>
+                                  </p:endCondLst>
                                   <p:childTnLst>
                                     <p:set>
                                       <p:cBhvr>
@@ -7081,10 +7065,15 @@
                             </p:stCondLst>
                             <p:childTnLst>
                               <p:par>
-                                <p:cTn id="30" presetID="22" presetClass="entr" presetSubtype="4" fill="hold" grpId="0" nodeType="clickEffect">
+                                <p:cTn id="30" presetID="22" presetClass="entr" presetSubtype="4" fill="hold" grpId="0" nodeType="clickEffect" nodePh="1">
                                   <p:stCondLst>
                                     <p:cond delay="0"/>
                                   </p:stCondLst>
+                                  <p:endCondLst>
+                                    <p:cond evt="begin" delay="0">
+                                      <p:tn val="30"/>
+                                    </p:cond>
+                                  </p:endCondLst>
                                   <p:childTnLst>
                                     <p:set>
                                       <p:cBhvr>
@@ -7153,6 +7142,188 @@
 </file>
 
 <file path=ppt/slides/slide3.xml><?xml version="1.0" encoding="utf-8"?>
+<p:sld xmlns:a="http://schemas.openxmlformats.org/drawingml/2006/main" xmlns:r="http://schemas.openxmlformats.org/officeDocument/2006/relationships" xmlns:p="http://schemas.openxmlformats.org/presentationml/2006/main">
+  <p:cSld>
+    <p:spTree>
+      <p:nvGrpSpPr>
+        <p:cNvPr id="1" name=""/>
+        <p:cNvGrpSpPr/>
+        <p:nvPr/>
+      </p:nvGrpSpPr>
+      <p:grpSpPr>
+        <a:xfrm>
+          <a:off x="0" y="0"/>
+          <a:ext cx="0" cy="0"/>
+          <a:chOff x="0" y="0"/>
+          <a:chExt cx="0" cy="0"/>
+        </a:xfrm>
+      </p:grpSpPr>
+      <p:sp>
+        <p:nvSpPr>
+          <p:cNvPr id="2" name="タイトル 1">
+            <a:extLst>
+              <a:ext uri="{FF2B5EF4-FFF2-40B4-BE49-F238E27FC236}">
+                <a16:creationId xmlns:a16="http://schemas.microsoft.com/office/drawing/2014/main" id="{83A2A133-3B90-48C4-B887-31C433F84823}"/>
+              </a:ext>
+            </a:extLst>
+          </p:cNvPr>
+          <p:cNvSpPr>
+            <a:spLocks noGrp="1"/>
+          </p:cNvSpPr>
+          <p:nvPr>
+            <p:ph type="title"/>
+          </p:nvPr>
+        </p:nvSpPr>
+        <p:spPr>
+          <a:xfrm>
+            <a:off x="677334" y="609600"/>
+            <a:ext cx="8596668" cy="541867"/>
+          </a:xfrm>
+        </p:spPr>
+        <p:txBody>
+          <a:bodyPr>
+            <a:normAutofit fontScale="90000"/>
+          </a:bodyPr>
+          <a:lstStyle/>
+          <a:p>
+            <a:r>
+              <a:rPr lang="ja-JP" altLang="en-US" dirty="0"/>
+              <a:t>できなかったこと　</a:t>
+            </a:r>
+            <a:br>
+              <a:rPr lang="ja-JP" altLang="en-US" dirty="0"/>
+            </a:br>
+            <a:endParaRPr kumimoji="1" lang="ja-JP" altLang="en-US" dirty="0"/>
+          </a:p>
+        </p:txBody>
+      </p:sp>
+      <p:sp>
+        <p:nvSpPr>
+          <p:cNvPr id="3" name="コンテンツ プレースホルダー 2">
+            <a:extLst>
+              <a:ext uri="{FF2B5EF4-FFF2-40B4-BE49-F238E27FC236}">
+                <a16:creationId xmlns:a16="http://schemas.microsoft.com/office/drawing/2014/main" id="{57DA82FC-9488-4260-8290-E9A96CBED22A}"/>
+              </a:ext>
+            </a:extLst>
+          </p:cNvPr>
+          <p:cNvSpPr>
+            <a:spLocks noGrp="1"/>
+          </p:cNvSpPr>
+          <p:nvPr>
+            <p:ph idx="1"/>
+          </p:nvPr>
+        </p:nvSpPr>
+        <p:spPr>
+          <a:xfrm>
+            <a:off x="677334" y="1646766"/>
+            <a:ext cx="8596668" cy="3564467"/>
+          </a:xfrm>
+        </p:spPr>
+        <p:txBody>
+          <a:bodyPr/>
+          <a:lstStyle/>
+          <a:p>
+            <a:r>
+              <a:rPr lang="ja-JP" altLang="en-US" dirty="0"/>
+              <a:t>銃のコマンド以外を押してるのに借金追加される、なんならコマンド以外押してもダメージ出るし、借金追加される。</a:t>
+            </a:r>
+            <a:endParaRPr lang="en-US" altLang="ja-JP" dirty="0"/>
+          </a:p>
+          <a:p>
+            <a:r>
+              <a:rPr lang="ja-JP" altLang="en-US" dirty="0"/>
+              <a:t>敵のテキストが見れなくなった</a:t>
+            </a:r>
+            <a:endParaRPr lang="en-US" altLang="ja-JP" dirty="0"/>
+          </a:p>
+          <a:p>
+            <a:r>
+              <a:rPr lang="ja-JP" altLang="en-US" dirty="0"/>
+              <a:t>日本語設定反映できていなかったので全部見れない　数字は見れる</a:t>
+            </a:r>
+            <a:endParaRPr lang="en-US" altLang="ja-JP" dirty="0"/>
+          </a:p>
+          <a:p>
+            <a:r>
+              <a:rPr lang="ja-JP" altLang="en-US" dirty="0"/>
+              <a:t>報酬が反映されない　だから借金減らない</a:t>
+            </a:r>
+            <a:endParaRPr lang="en-US" altLang="ja-JP" dirty="0"/>
+          </a:p>
+          <a:p>
+            <a:r>
+              <a:rPr lang="en-US" altLang="ja-JP" dirty="0"/>
+              <a:t>Easy</a:t>
+            </a:r>
+            <a:r>
+              <a:rPr lang="ja-JP" altLang="en-US" dirty="0"/>
+              <a:t>モードの</a:t>
+            </a:r>
+            <a:r>
+              <a:rPr lang="en-US" altLang="ja-JP" dirty="0"/>
+              <a:t>2</a:t>
+            </a:r>
+            <a:r>
+              <a:rPr lang="ja-JP" altLang="en-US" dirty="0"/>
+              <a:t>ステージ目が動かない　それ以外は動く</a:t>
+            </a:r>
+            <a:endParaRPr lang="en-US" altLang="ja-JP" dirty="0"/>
+          </a:p>
+          <a:p>
+            <a:r>
+              <a:rPr lang="ja-JP" altLang="en-US" dirty="0"/>
+              <a:t>音量設定できてない　戦闘シーンの</a:t>
+            </a:r>
+            <a:r>
+              <a:rPr lang="en-US" altLang="ja-JP" dirty="0"/>
+              <a:t>BGM</a:t>
+            </a:r>
+            <a:r>
+              <a:rPr lang="ja-JP" altLang="en-US" dirty="0"/>
+              <a:t>は実装していない</a:t>
+            </a:r>
+            <a:endParaRPr lang="en-US" altLang="ja-JP" dirty="0"/>
+          </a:p>
+          <a:p>
+            <a:r>
+              <a:rPr lang="ja-JP" altLang="en-US" dirty="0"/>
+              <a:t>ケガしても？？社の支援を実装していない</a:t>
+            </a:r>
+            <a:endParaRPr lang="en-US" altLang="ja-JP" dirty="0"/>
+          </a:p>
+          <a:p>
+            <a:r>
+              <a:rPr lang="ja-JP" altLang="en-US" dirty="0"/>
+              <a:t>ケガしても足も腕も欠損しない　</a:t>
+            </a:r>
+            <a:r>
+              <a:rPr lang="en-US" altLang="ja-JP" dirty="0" err="1"/>
+              <a:t>etc</a:t>
+            </a:r>
+            <a:r>
+              <a:rPr lang="en-US" altLang="ja-JP" dirty="0"/>
+              <a:t> …</a:t>
+            </a:r>
+          </a:p>
+          <a:p>
+            <a:endParaRPr kumimoji="1" lang="ja-JP" altLang="en-US" dirty="0"/>
+          </a:p>
+        </p:txBody>
+      </p:sp>
+    </p:spTree>
+    <p:extLst>
+      <p:ext uri="{BB962C8B-B14F-4D97-AF65-F5344CB8AC3E}">
+        <p14:creationId xmlns:p14="http://schemas.microsoft.com/office/powerpoint/2010/main" val="3527080705"/>
+      </p:ext>
+    </p:extLst>
+  </p:cSld>
+  <p:clrMapOvr>
+    <a:masterClrMapping/>
+  </p:clrMapOvr>
+</p:sld>
+</file>
+
+<file path=ppt/slides/slide4.xml><?xml version="1.0" encoding="utf-8"?>
 <p:sld xmlns:a="http://schemas.openxmlformats.org/drawingml/2006/main" xmlns:r="http://schemas.openxmlformats.org/officeDocument/2006/relationships" xmlns:p="http://schemas.openxmlformats.org/presentationml/2006/main">
   <p:cSld>
     <p:spTree>

--- a/ハピネスカンパニー.pptx
+++ b/ハピネスカンパニー.pptx
@@ -6281,11 +6281,7 @@
           <a:p>
             <a:r>
               <a:rPr lang="ja-JP" altLang="en-US" dirty="0"/>
-              <a:t>味方のテキストは</a:t>
-            </a:r>
-            <a:r>
-              <a:rPr lang="ja-JP" altLang="en-US"/>
-              <a:t>出せていた</a:t>
+              <a:t>味方のテキストは出せていた</a:t>
             </a:r>
             <a:endParaRPr lang="en-US" altLang="ja-JP" dirty="0"/>
           </a:p>

--- a/ハピネスカンパニー.pptx
+++ b/ハピネスカンパニー.pptx
@@ -107,6 +107,11 @@
       </a:defRPr>
     </a:lvl9pPr>
   </p:defaultTextStyle>
+  <p:extLst>
+    <p:ext uri="{EFAFB233-063F-42B5-8137-9DF3F51BA10A}">
+      <p15:sldGuideLst xmlns:p15="http://schemas.microsoft.com/office/powerpoint/2012/main"/>
+    </p:ext>
+  </p:extLst>
 </p:presentation>
 </file>
 
@@ -7212,12 +7217,25 @@
         <p:spPr>
           <a:xfrm>
             <a:off x="677334" y="1646766"/>
-            <a:ext cx="8596668" cy="3564467"/>
+            <a:ext cx="8596668" cy="4500034"/>
           </a:xfrm>
         </p:spPr>
         <p:txBody>
-          <a:bodyPr/>
+          <a:bodyPr>
+            <a:normAutofit/>
+          </a:bodyPr>
           <a:lstStyle/>
+          <a:p>
+            <a:r>
+              <a:rPr lang="ja-JP" altLang="en-US" dirty="0"/>
+              <a:t>コマンド押したら三人一気に</a:t>
+            </a:r>
+            <a:r>
+              <a:rPr lang="ja-JP" altLang="en-US"/>
+              <a:t>攻撃しちゃう</a:t>
+            </a:r>
+            <a:endParaRPr lang="en-US" altLang="ja-JP"/>
+          </a:p>
           <a:p>
             <a:r>
               <a:rPr lang="ja-JP" altLang="en-US" dirty="0"/>

--- a/ハピネスカンパニー.pptx
+++ b/ハピネスカンパニー.pptx
@@ -7217,7 +7217,7 @@
         <p:spPr>
           <a:xfrm>
             <a:off x="677334" y="1646766"/>
-            <a:ext cx="8596668" cy="4500034"/>
+            <a:ext cx="8596668" cy="4068234"/>
           </a:xfrm>
         </p:spPr>
         <p:txBody>
@@ -7228,13 +7228,9 @@
           <a:p>
             <a:r>
               <a:rPr lang="ja-JP" altLang="en-US" dirty="0"/>
-              <a:t>コマンド押したら三人一気に</a:t>
-            </a:r>
-            <a:r>
-              <a:rPr lang="ja-JP" altLang="en-US"/>
-              <a:t>攻撃しちゃう</a:t>
-            </a:r>
-            <a:endParaRPr lang="en-US" altLang="ja-JP"/>
+              <a:t>コマンド押したら三人一気に攻撃しちゃう</a:t>
+            </a:r>
+            <a:endParaRPr lang="en-US" altLang="ja-JP" dirty="0"/>
           </a:p>
           <a:p>
             <a:r>

--- a/ハピネスカンパニー.pptx
+++ b/ハピネスカンパニー.pptx
@@ -7222,11 +7222,18 @@
         </p:spPr>
         <p:txBody>
           <a:bodyPr>
-            <a:normAutofit/>
+            <a:normAutofit lnSpcReduction="10000"/>
           </a:bodyPr>
           <a:lstStyle/>
           <a:p>
             <a:r>
+              <a:rPr lang="ja-JP" altLang="en-US"/>
+              <a:t>操作の説明がない</a:t>
+            </a:r>
+            <a:endParaRPr lang="en-US" altLang="ja-JP"/>
+          </a:p>
+          <a:p>
+            <a:r>
               <a:rPr lang="ja-JP" altLang="en-US" dirty="0"/>
               <a:t>コマンド押したら三人一気に攻撃しちゃう</a:t>
             </a:r>
@@ -7290,14 +7297,14 @@
             </a:r>
             <a:r>
               <a:rPr lang="ja-JP" altLang="en-US" dirty="0"/>
-              <a:t>は実装していない</a:t>
+              <a:t>を実装していない</a:t>
             </a:r>
             <a:endParaRPr lang="en-US" altLang="ja-JP" dirty="0"/>
           </a:p>
           <a:p>
             <a:r>
               <a:rPr lang="ja-JP" altLang="en-US" dirty="0"/>
-              <a:t>ケガしても？？社の支援を実装していない</a:t>
+              <a:t>ケガしても？？社の支援をまず実装していない</a:t>
             </a:r>
             <a:endParaRPr lang="en-US" altLang="ja-JP" dirty="0"/>
           </a:p>
@@ -7376,10 +7383,6 @@
           <a:bodyPr/>
           <a:lstStyle/>
           <a:p>
-            <a:r>
-              <a:rPr lang="ja-JP" altLang="en-US" dirty="0"/>
-              <a:t>作品の</a:t>
-            </a:r>
             <a:r>
               <a:rPr kumimoji="1" lang="ja-JP" altLang="en-US" dirty="0"/>
               <a:t>結果</a:t>
